--- a/Prezentace/Identifikace aut podle jejich vzhledu.pptx
+++ b/Prezentace/Identifikace aut podle jejich vzhledu.pptx
@@ -5,16 +5,20 @@
     <p:sldMasterId id="2147483649" r:id="rId1"/>
   </p:sldMasterIdLst>
   <p:notesMasterIdLst>
-    <p:notesMasterId r:id="rId6"/>
+    <p:notesMasterId r:id="rId10"/>
   </p:notesMasterIdLst>
   <p:handoutMasterIdLst>
-    <p:handoutMasterId r:id="rId7"/>
+    <p:handoutMasterId r:id="rId11"/>
   </p:handoutMasterIdLst>
   <p:sldIdLst>
     <p:sldId id="256" r:id="rId2"/>
     <p:sldId id="258" r:id="rId3"/>
     <p:sldId id="260" r:id="rId4"/>
-    <p:sldId id="259" r:id="rId5"/>
+    <p:sldId id="261" r:id="rId5"/>
+    <p:sldId id="263" r:id="rId6"/>
+    <p:sldId id="264" r:id="rId7"/>
+    <p:sldId id="262" r:id="rId8"/>
+    <p:sldId id="259" r:id="rId9"/>
   </p:sldIdLst>
   <p:sldSz cx="12192000" cy="6858000"/>
   <p:notesSz cx="6858000" cy="9144000"/>
@@ -3826,9 +3830,10 @@
           <a:lstStyle/>
           <a:p>
             <a:r>
-              <a:rPr lang="cs-CZ" dirty="0"/>
-              <a:t>Popis problému</a:t>
-            </a:r>
+              <a:rPr lang="cs-CZ" altLang="cs-CZ" sz="2800" dirty="0"/>
+              <a:t>Identifikace aut podle jejich vzhledu (bez SPZ)</a:t>
+            </a:r>
+            <a:endParaRPr lang="cs-CZ" dirty="0"/>
           </a:p>
         </p:txBody>
       </p:sp>
@@ -3848,12 +3853,8 @@
           <a:lstStyle/>
           <a:p>
             <a:r>
-              <a:rPr lang="cs-CZ" dirty="0" err="1"/>
-              <a:t>Vehicle</a:t>
-            </a:r>
-            <a:r>
               <a:rPr lang="cs-CZ" dirty="0"/>
-              <a:t> Re-Id</a:t>
+              <a:t>Vehicle Re-Identification</a:t>
             </a:r>
           </a:p>
           <a:p>
@@ -3866,6 +3867,12 @@
             <a:r>
               <a:rPr lang="cs-CZ" dirty="0"/>
               <a:t>Podoba s Person Re-Id</a:t>
+            </a:r>
+          </a:p>
+          <a:p>
+            <a:r>
+              <a:rPr lang="cs-CZ" dirty="0"/>
+              <a:t>Proč bez SPZ?</a:t>
             </a:r>
           </a:p>
         </p:txBody>
@@ -3890,7 +3897,7 @@
             </a:pPr>
             <a:r>
               <a:rPr lang="cs-CZ" dirty="0"/>
-              <a:t>Název práce</a:t>
+              <a:t>Vehicle ReId</a:t>
             </a:r>
           </a:p>
         </p:txBody>
@@ -3919,6 +3926,36 @@
           </a:p>
         </p:txBody>
       </p:sp>
+      <p:pic>
+        <p:nvPicPr>
+          <p:cNvPr id="7" name="Picture 6">
+            <a:extLst>
+              <a:ext uri="{FF2B5EF4-FFF2-40B4-BE49-F238E27FC236}">
+                <a16:creationId xmlns:a16="http://schemas.microsoft.com/office/drawing/2014/main" id="{633BEFDA-502F-8454-64BC-63678A16B3E1}"/>
+              </a:ext>
+            </a:extLst>
+          </p:cNvPr>
+          <p:cNvPicPr>
+            <a:picLocks noChangeAspect="1"/>
+          </p:cNvPicPr>
+          <p:nvPr/>
+        </p:nvPicPr>
+        <p:blipFill>
+          <a:blip r:embed="rId3"/>
+          <a:stretch>
+            <a:fillRect/>
+          </a:stretch>
+        </p:blipFill>
+        <p:spPr>
+          <a:xfrm>
+            <a:off x="6312358" y="1928603"/>
+            <a:ext cx="4296375" cy="3000794"/>
+          </a:xfrm>
+          <a:prstGeom prst="rect">
+            <a:avLst/>
+          </a:prstGeom>
+        </p:spPr>
+      </p:pic>
     </p:spTree>
     <p:extLst>
       <p:ext uri="{BB962C8B-B14F-4D97-AF65-F5344CB8AC3E}">
@@ -3970,35 +4007,43 @@
           <a:bodyPr/>
           <a:lstStyle/>
           <a:p>
-            <a:endParaRPr lang="cs-CZ"/>
-          </a:p>
-        </p:txBody>
-      </p:sp>
-      <p:sp>
-        <p:nvSpPr>
-          <p:cNvPr id="3" name="Zástupný obsah 2">
+            <a:r>
+              <a:rPr lang="sk-SK" dirty="0"/>
+              <a:t>Metóda v článku</a:t>
+            </a:r>
+            <a:endParaRPr lang="cs-CZ" dirty="0"/>
+          </a:p>
+        </p:txBody>
+      </p:sp>
+      <p:pic>
+        <p:nvPicPr>
+          <p:cNvPr id="7" name="Content Placeholder 6">
             <a:extLst>
               <a:ext uri="{FF2B5EF4-FFF2-40B4-BE49-F238E27FC236}">
-                <a16:creationId xmlns:a16="http://schemas.microsoft.com/office/drawing/2014/main" id="{249B06A3-5395-0473-76D4-A23E4E53353D}"/>
+                <a16:creationId xmlns:a16="http://schemas.microsoft.com/office/drawing/2014/main" id="{7A521380-9DBF-6EB6-375B-2D825C8AC293}"/>
               </a:ext>
             </a:extLst>
           </p:cNvPr>
-          <p:cNvSpPr>
-            <a:spLocks noGrp="1"/>
-          </p:cNvSpPr>
+          <p:cNvPicPr>
+            <a:picLocks noGrp="1" noChangeAspect="1"/>
+          </p:cNvPicPr>
           <p:nvPr>
             <p:ph idx="1"/>
           </p:nvPr>
-        </p:nvSpPr>
-        <p:spPr/>
-        <p:txBody>
-          <a:bodyPr/>
-          <a:lstStyle/>
-          <a:p>
-            <a:endParaRPr lang="cs-CZ"/>
-          </a:p>
-        </p:txBody>
-      </p:sp>
+        </p:nvPicPr>
+        <p:blipFill>
+          <a:blip r:embed="rId2"/>
+          <a:stretch>
+            <a:fillRect/>
+          </a:stretch>
+        </p:blipFill>
+        <p:spPr>
+          <a:xfrm>
+            <a:off x="2586328" y="2044506"/>
+            <a:ext cx="7211431" cy="2772162"/>
+          </a:xfrm>
+        </p:spPr>
+      </p:pic>
       <p:sp>
         <p:nvSpPr>
           <p:cNvPr id="4" name="Zástupný symbol pro zápatí 3">
@@ -4024,8 +4069,8 @@
               <a:defRPr/>
             </a:pPr>
             <a:r>
-              <a:rPr lang="en-US"/>
-              <a:t>Název práce</a:t>
+              <a:rPr lang="cs-CZ" dirty="0"/>
+              <a:t>Vehicle ReId</a:t>
             </a:r>
           </a:p>
         </p:txBody>
@@ -4095,7 +4140,7 @@
           <p:cNvPr id="2" name="Title 1">
             <a:extLst>
               <a:ext uri="{FF2B5EF4-FFF2-40B4-BE49-F238E27FC236}">
-                <a16:creationId xmlns:a16="http://schemas.microsoft.com/office/drawing/2014/main" id="{3B2329DB-7AAC-4684-A272-6E6B9134484F}"/>
+                <a16:creationId xmlns:a16="http://schemas.microsoft.com/office/drawing/2014/main" id="{EFF2561F-51CD-4926-773D-77D939638CCE}"/>
               </a:ext>
             </a:extLst>
           </p:cNvPr>
@@ -4112,20 +4157,782 @@
           <a:lstStyle/>
           <a:p>
             <a:r>
+              <a:rPr lang="sk-SK" dirty="0"/>
+              <a:t>Metóda v článku</a:t>
+            </a:r>
+          </a:p>
+        </p:txBody>
+      </p:sp>
+      <p:sp>
+        <p:nvSpPr>
+          <p:cNvPr id="3" name="Content Placeholder 2">
+            <a:extLst>
+              <a:ext uri="{FF2B5EF4-FFF2-40B4-BE49-F238E27FC236}">
+                <a16:creationId xmlns:a16="http://schemas.microsoft.com/office/drawing/2014/main" id="{C9588E57-9099-ABE3-D23E-70258DDC201F}"/>
+              </a:ext>
+            </a:extLst>
+          </p:cNvPr>
+          <p:cNvSpPr>
+            <a:spLocks noGrp="1"/>
+          </p:cNvSpPr>
+          <p:nvPr>
+            <p:ph idx="1"/>
+          </p:nvPr>
+        </p:nvSpPr>
+        <p:spPr/>
+        <p:txBody>
+          <a:bodyPr/>
+          <a:lstStyle/>
+          <a:p>
+            <a:r>
+              <a:rPr lang="sk-SK" dirty="0"/>
+              <a:t>Článok vyšiel 2.10.2023</a:t>
+            </a:r>
+          </a:p>
+          <a:p>
+            <a:r>
+              <a:rPr lang="sk-SK" dirty="0"/>
+              <a:t>Aký je ich prístup? (</a:t>
+            </a:r>
+            <a:r>
+              <a:rPr lang="sk-SK" dirty="0" err="1"/>
+              <a:t>Grouped-convolution</a:t>
+            </a:r>
+            <a:r>
+              <a:rPr lang="sk-SK" dirty="0"/>
+              <a:t>, </a:t>
+            </a:r>
+            <a:r>
+              <a:rPr lang="sk-SK" dirty="0" err="1"/>
+              <a:t>Loss-Branch-Split</a:t>
+            </a:r>
+            <a:r>
+              <a:rPr lang="sk-SK" dirty="0"/>
+              <a:t>)</a:t>
+            </a:r>
+          </a:p>
+        </p:txBody>
+      </p:sp>
+      <p:sp>
+        <p:nvSpPr>
+          <p:cNvPr id="4" name="Footer Placeholder 3">
+            <a:extLst>
+              <a:ext uri="{FF2B5EF4-FFF2-40B4-BE49-F238E27FC236}">
+                <a16:creationId xmlns:a16="http://schemas.microsoft.com/office/drawing/2014/main" id="{55C6E512-D75F-7C6B-8FAD-ADF748FD5548}"/>
+              </a:ext>
+            </a:extLst>
+          </p:cNvPr>
+          <p:cNvSpPr>
+            <a:spLocks noGrp="1"/>
+          </p:cNvSpPr>
+          <p:nvPr>
+            <p:ph type="ftr" sz="quarter" idx="10"/>
+          </p:nvPr>
+        </p:nvSpPr>
+        <p:spPr/>
+        <p:txBody>
+          <a:bodyPr/>
+          <a:lstStyle/>
+          <a:p>
+            <a:pPr>
+              <a:defRPr/>
+            </a:pPr>
+            <a:r>
               <a:rPr lang="cs-CZ" dirty="0"/>
-              <a:t>Děkuj</a:t>
-            </a:r>
-            <a:r>
-              <a:rPr lang="en-GB" dirty="0" err="1"/>
-              <a:t>eme</a:t>
-            </a:r>
+              <a:t>Vehicle ReId</a:t>
+            </a:r>
+          </a:p>
+        </p:txBody>
+      </p:sp>
+      <p:sp>
+        <p:nvSpPr>
+          <p:cNvPr id="5" name="Slide Number Placeholder 4">
+            <a:extLst>
+              <a:ext uri="{FF2B5EF4-FFF2-40B4-BE49-F238E27FC236}">
+                <a16:creationId xmlns:a16="http://schemas.microsoft.com/office/drawing/2014/main" id="{98CBD2C0-6AC0-CCDF-2C8D-28B09BCED6F6}"/>
+              </a:ext>
+            </a:extLst>
+          </p:cNvPr>
+          <p:cNvSpPr>
+            <a:spLocks noGrp="1"/>
+          </p:cNvSpPr>
+          <p:nvPr>
+            <p:ph type="sldNum" sz="quarter" idx="11"/>
+          </p:nvPr>
+        </p:nvSpPr>
+        <p:spPr/>
+        <p:txBody>
+          <a:bodyPr/>
+          <a:lstStyle/>
+          <a:p>
+            <a:fld id="{7C839148-7006-41C4-ABC2-D2A9F4595A63}" type="slidenum">
+              <a:rPr lang="en-US" altLang="cs-CZ" smtClean="0"/>
+              <a:pPr/>
+              <a:t>4</a:t>
+            </a:fld>
+            <a:endParaRPr lang="en-US" altLang="cs-CZ" dirty="0"/>
+          </a:p>
+        </p:txBody>
+      </p:sp>
+      <p:pic>
+        <p:nvPicPr>
+          <p:cNvPr id="7" name="Picture 6">
+            <a:extLst>
+              <a:ext uri="{FF2B5EF4-FFF2-40B4-BE49-F238E27FC236}">
+                <a16:creationId xmlns:a16="http://schemas.microsoft.com/office/drawing/2014/main" id="{AC3814C9-44F1-CE95-7265-DAE7304EE808}"/>
+              </a:ext>
+            </a:extLst>
+          </p:cNvPr>
+          <p:cNvPicPr>
+            <a:picLocks noChangeAspect="1"/>
+          </p:cNvPicPr>
+          <p:nvPr/>
+        </p:nvPicPr>
+        <p:blipFill>
+          <a:blip r:embed="rId2"/>
+          <a:stretch>
+            <a:fillRect/>
+          </a:stretch>
+        </p:blipFill>
+        <p:spPr>
+          <a:xfrm>
+            <a:off x="335491" y="2348880"/>
+            <a:ext cx="11521017" cy="4049233"/>
+          </a:xfrm>
+          <a:prstGeom prst="rect">
+            <a:avLst/>
+          </a:prstGeom>
+        </p:spPr>
+      </p:pic>
+    </p:spTree>
+    <p:extLst>
+      <p:ext uri="{BB962C8B-B14F-4D97-AF65-F5344CB8AC3E}">
+        <p14:creationId xmlns:p14="http://schemas.microsoft.com/office/powerpoint/2010/main" val="1299859213"/>
+      </p:ext>
+    </p:extLst>
+  </p:cSld>
+  <p:clrMapOvr>
+    <a:masterClrMapping/>
+  </p:clrMapOvr>
+</p:sld>
+</file>
+
+<file path=ppt/slides/slide5.xml><?xml version="1.0" encoding="utf-8"?>
+<p:sld xmlns:a="http://schemas.openxmlformats.org/drawingml/2006/main" xmlns:r="http://schemas.openxmlformats.org/officeDocument/2006/relationships" xmlns:p="http://schemas.openxmlformats.org/presentationml/2006/main">
+  <p:cSld>
+    <p:spTree>
+      <p:nvGrpSpPr>
+        <p:cNvPr id="1" name=""/>
+        <p:cNvGrpSpPr/>
+        <p:nvPr/>
+      </p:nvGrpSpPr>
+      <p:grpSpPr>
+        <a:xfrm>
+          <a:off x="0" y="0"/>
+          <a:ext cx="0" cy="0"/>
+          <a:chOff x="0" y="0"/>
+          <a:chExt cx="0" cy="0"/>
+        </a:xfrm>
+      </p:grpSpPr>
+      <p:sp>
+        <p:nvSpPr>
+          <p:cNvPr id="2" name="Title 1">
+            <a:extLst>
+              <a:ext uri="{FF2B5EF4-FFF2-40B4-BE49-F238E27FC236}">
+                <a16:creationId xmlns:a16="http://schemas.microsoft.com/office/drawing/2014/main" id="{0069D47B-9D14-BA7A-F5EC-A16069E8FAB5}"/>
+              </a:ext>
+            </a:extLst>
+          </p:cNvPr>
+          <p:cNvSpPr>
+            <a:spLocks noGrp="1"/>
+          </p:cNvSpPr>
+          <p:nvPr>
+            <p:ph type="title"/>
+          </p:nvPr>
+        </p:nvSpPr>
+        <p:spPr/>
+        <p:txBody>
+          <a:bodyPr/>
+          <a:lstStyle/>
+          <a:p>
+            <a:r>
+              <a:rPr lang="sk-SK" dirty="0" err="1"/>
+              <a:t>Datasety</a:t>
+            </a:r>
+            <a:endParaRPr lang="sk-SK" dirty="0"/>
+          </a:p>
+        </p:txBody>
+      </p:sp>
+      <p:sp>
+        <p:nvSpPr>
+          <p:cNvPr id="3" name="Content Placeholder 2">
+            <a:extLst>
+              <a:ext uri="{FF2B5EF4-FFF2-40B4-BE49-F238E27FC236}">
+                <a16:creationId xmlns:a16="http://schemas.microsoft.com/office/drawing/2014/main" id="{CC979700-BEC2-C820-1CF0-4077316A89EB}"/>
+              </a:ext>
+            </a:extLst>
+          </p:cNvPr>
+          <p:cNvSpPr>
+            <a:spLocks noGrp="1"/>
+          </p:cNvSpPr>
+          <p:nvPr>
+            <p:ph idx="1"/>
+          </p:nvPr>
+        </p:nvSpPr>
+        <p:spPr>
+          <a:xfrm>
+            <a:off x="431801" y="764704"/>
+            <a:ext cx="11521017" cy="5330825"/>
+          </a:xfrm>
+        </p:spPr>
+        <p:txBody>
+          <a:bodyPr/>
+          <a:lstStyle/>
+          <a:p>
+            <a:r>
+              <a:rPr lang="sk-SK" dirty="0"/>
+              <a:t>VeRi-776 </a:t>
+            </a:r>
+            <a:r>
+              <a:rPr lang="sk-SK" dirty="0" err="1"/>
+              <a:t>dataset</a:t>
+            </a:r>
+            <a:endParaRPr lang="sk-SK" dirty="0"/>
+          </a:p>
+          <a:p>
+            <a:pPr lvl="1"/>
+            <a:r>
+              <a:rPr lang="sk-SK" dirty="0"/>
+              <a:t>776 vozidiel zachytených 20 kamerami</a:t>
+            </a:r>
+          </a:p>
+          <a:p>
+            <a:r>
+              <a:rPr lang="sk-SK" dirty="0"/>
+              <a:t>CarsReId74k</a:t>
+            </a:r>
+          </a:p>
+          <a:p>
+            <a:r>
+              <a:rPr lang="sk-SK" dirty="0"/>
+              <a:t>2016-CVPR-VehicleReId-dataset</a:t>
+            </a:r>
+          </a:p>
+          <a:p>
+            <a:r>
+              <a:rPr lang="sk-SK" dirty="0" err="1"/>
+              <a:t>Dataset</a:t>
+            </a:r>
+            <a:r>
+              <a:rPr lang="sk-SK" dirty="0"/>
+              <a:t> obsahuje:</a:t>
+            </a:r>
+          </a:p>
+          <a:p>
+            <a:pPr lvl="1"/>
+            <a:r>
+              <a:rPr lang="sk-SK" dirty="0" err="1"/>
+              <a:t>Gallery</a:t>
+            </a:r>
+            <a:r>
+              <a:rPr lang="sk-SK" dirty="0"/>
+              <a:t> </a:t>
+            </a:r>
+            <a:r>
+              <a:rPr lang="sk-SK" dirty="0" err="1"/>
+              <a:t>images</a:t>
+            </a:r>
+            <a:endParaRPr lang="sk-SK" dirty="0"/>
+          </a:p>
+          <a:p>
+            <a:pPr lvl="1"/>
+            <a:r>
+              <a:rPr lang="sk-SK" dirty="0" err="1"/>
+              <a:t>Query</a:t>
+            </a:r>
+            <a:r>
+              <a:rPr lang="sk-SK" dirty="0"/>
+              <a:t> </a:t>
+            </a:r>
+            <a:r>
+              <a:rPr lang="sk-SK" dirty="0" err="1"/>
+              <a:t>images</a:t>
+            </a:r>
+            <a:endParaRPr lang="sk-SK" dirty="0"/>
+          </a:p>
+          <a:p>
+            <a:r>
+              <a:rPr lang="sk-SK" dirty="0"/>
+              <a:t>Dáta obsahujú </a:t>
+            </a:r>
+            <a:r>
+              <a:rPr lang="en-US" dirty="0" err="1"/>
+              <a:t>metad</a:t>
+            </a:r>
+            <a:r>
+              <a:rPr lang="sk-SK" dirty="0" err="1"/>
+              <a:t>áta</a:t>
+            </a:r>
+            <a:r>
+              <a:rPr lang="sk-SK" dirty="0"/>
+              <a:t> o kamerách a id auta</a:t>
+            </a:r>
+          </a:p>
+        </p:txBody>
+      </p:sp>
+      <p:sp>
+        <p:nvSpPr>
+          <p:cNvPr id="4" name="Footer Placeholder 3">
+            <a:extLst>
+              <a:ext uri="{FF2B5EF4-FFF2-40B4-BE49-F238E27FC236}">
+                <a16:creationId xmlns:a16="http://schemas.microsoft.com/office/drawing/2014/main" id="{CA9E15EB-8DD4-0204-562D-B1801515D136}"/>
+              </a:ext>
+            </a:extLst>
+          </p:cNvPr>
+          <p:cNvSpPr>
+            <a:spLocks noGrp="1"/>
+          </p:cNvSpPr>
+          <p:nvPr>
+            <p:ph type="ftr" sz="quarter" idx="10"/>
+          </p:nvPr>
+        </p:nvSpPr>
+        <p:spPr/>
+        <p:txBody>
+          <a:bodyPr/>
+          <a:lstStyle/>
+          <a:p>
+            <a:pPr>
+              <a:defRPr/>
+            </a:pPr>
             <a:r>
               <a:rPr lang="cs-CZ" dirty="0"/>
-              <a:t> za pozornost!</a:t>
-            </a:r>
-          </a:p>
-        </p:txBody>
-      </p:sp>
+              <a:t>Vehicle ReId</a:t>
+            </a:r>
+          </a:p>
+        </p:txBody>
+      </p:sp>
+      <p:sp>
+        <p:nvSpPr>
+          <p:cNvPr id="5" name="Slide Number Placeholder 4">
+            <a:extLst>
+              <a:ext uri="{FF2B5EF4-FFF2-40B4-BE49-F238E27FC236}">
+                <a16:creationId xmlns:a16="http://schemas.microsoft.com/office/drawing/2014/main" id="{A1E6D789-6301-54C5-CEC9-C4B652B7B254}"/>
+              </a:ext>
+            </a:extLst>
+          </p:cNvPr>
+          <p:cNvSpPr>
+            <a:spLocks noGrp="1"/>
+          </p:cNvSpPr>
+          <p:nvPr>
+            <p:ph type="sldNum" sz="quarter" idx="11"/>
+          </p:nvPr>
+        </p:nvSpPr>
+        <p:spPr/>
+        <p:txBody>
+          <a:bodyPr/>
+          <a:lstStyle/>
+          <a:p>
+            <a:fld id="{7C839148-7006-41C4-ABC2-D2A9F4595A63}" type="slidenum">
+              <a:rPr lang="en-US" altLang="cs-CZ" smtClean="0"/>
+              <a:pPr/>
+              <a:t>5</a:t>
+            </a:fld>
+            <a:endParaRPr lang="en-US" altLang="cs-CZ" dirty="0"/>
+          </a:p>
+        </p:txBody>
+      </p:sp>
+    </p:spTree>
+    <p:extLst>
+      <p:ext uri="{BB962C8B-B14F-4D97-AF65-F5344CB8AC3E}">
+        <p14:creationId xmlns:p14="http://schemas.microsoft.com/office/powerpoint/2010/main" val="1042953219"/>
+      </p:ext>
+    </p:extLst>
+  </p:cSld>
+  <p:clrMapOvr>
+    <a:masterClrMapping/>
+  </p:clrMapOvr>
+</p:sld>
+</file>
+
+<file path=ppt/slides/slide6.xml><?xml version="1.0" encoding="utf-8"?>
+<p:sld xmlns:a="http://schemas.openxmlformats.org/drawingml/2006/main" xmlns:r="http://schemas.openxmlformats.org/officeDocument/2006/relationships" xmlns:p="http://schemas.openxmlformats.org/presentationml/2006/main">
+  <p:cSld>
+    <p:spTree>
+      <p:nvGrpSpPr>
+        <p:cNvPr id="1" name=""/>
+        <p:cNvGrpSpPr/>
+        <p:nvPr/>
+      </p:nvGrpSpPr>
+      <p:grpSpPr>
+        <a:xfrm>
+          <a:off x="0" y="0"/>
+          <a:ext cx="0" cy="0"/>
+          <a:chOff x="0" y="0"/>
+          <a:chExt cx="0" cy="0"/>
+        </a:xfrm>
+      </p:grpSpPr>
+      <p:sp>
+        <p:nvSpPr>
+          <p:cNvPr id="2" name="Title 1">
+            <a:extLst>
+              <a:ext uri="{FF2B5EF4-FFF2-40B4-BE49-F238E27FC236}">
+                <a16:creationId xmlns:a16="http://schemas.microsoft.com/office/drawing/2014/main" id="{1834E893-9D6D-B16C-1150-BCD1B392F3C1}"/>
+              </a:ext>
+            </a:extLst>
+          </p:cNvPr>
+          <p:cNvSpPr>
+            <a:spLocks noGrp="1"/>
+          </p:cNvSpPr>
+          <p:nvPr>
+            <p:ph type="title"/>
+          </p:nvPr>
+        </p:nvSpPr>
+        <p:spPr/>
+        <p:txBody>
+          <a:bodyPr/>
+          <a:lstStyle/>
+          <a:p>
+            <a:r>
+              <a:rPr lang="sk-SK" dirty="0" err="1"/>
+              <a:t>Evaluation</a:t>
+            </a:r>
+            <a:endParaRPr lang="sk-SK" dirty="0"/>
+          </a:p>
+        </p:txBody>
+      </p:sp>
+      <p:sp>
+        <p:nvSpPr>
+          <p:cNvPr id="3" name="Content Placeholder 2">
+            <a:extLst>
+              <a:ext uri="{FF2B5EF4-FFF2-40B4-BE49-F238E27FC236}">
+                <a16:creationId xmlns:a16="http://schemas.microsoft.com/office/drawing/2014/main" id="{66C4CEB5-F9D9-C2C2-E7AC-9F887BDFE679}"/>
+              </a:ext>
+            </a:extLst>
+          </p:cNvPr>
+          <p:cNvSpPr>
+            <a:spLocks noGrp="1"/>
+          </p:cNvSpPr>
+          <p:nvPr>
+            <p:ph idx="1"/>
+          </p:nvPr>
+        </p:nvSpPr>
+        <p:spPr/>
+        <p:txBody>
+          <a:bodyPr/>
+          <a:lstStyle/>
+          <a:p>
+            <a:r>
+              <a:rPr lang="sk-SK" dirty="0" err="1"/>
+              <a:t>mAP</a:t>
+            </a:r>
+            <a:r>
+              <a:rPr lang="sk-SK" dirty="0"/>
+              <a:t>, CMC</a:t>
+            </a:r>
+          </a:p>
+        </p:txBody>
+      </p:sp>
+      <p:sp>
+        <p:nvSpPr>
+          <p:cNvPr id="4" name="Footer Placeholder 3">
+            <a:extLst>
+              <a:ext uri="{FF2B5EF4-FFF2-40B4-BE49-F238E27FC236}">
+                <a16:creationId xmlns:a16="http://schemas.microsoft.com/office/drawing/2014/main" id="{FEABFC87-0737-F39D-D28D-086E62BC4014}"/>
+              </a:ext>
+            </a:extLst>
+          </p:cNvPr>
+          <p:cNvSpPr>
+            <a:spLocks noGrp="1"/>
+          </p:cNvSpPr>
+          <p:nvPr>
+            <p:ph type="ftr" sz="quarter" idx="10"/>
+          </p:nvPr>
+        </p:nvSpPr>
+        <p:spPr/>
+        <p:txBody>
+          <a:bodyPr/>
+          <a:lstStyle/>
+          <a:p>
+            <a:pPr>
+              <a:defRPr/>
+            </a:pPr>
+            <a:r>
+              <a:rPr lang="cs-CZ" dirty="0"/>
+              <a:t>Vehicle ReId</a:t>
+            </a:r>
+          </a:p>
+        </p:txBody>
+      </p:sp>
+      <p:sp>
+        <p:nvSpPr>
+          <p:cNvPr id="5" name="Slide Number Placeholder 4">
+            <a:extLst>
+              <a:ext uri="{FF2B5EF4-FFF2-40B4-BE49-F238E27FC236}">
+                <a16:creationId xmlns:a16="http://schemas.microsoft.com/office/drawing/2014/main" id="{01AADBD6-5C2F-EC93-2065-CD5E2173261D}"/>
+              </a:ext>
+            </a:extLst>
+          </p:cNvPr>
+          <p:cNvSpPr>
+            <a:spLocks noGrp="1"/>
+          </p:cNvSpPr>
+          <p:nvPr>
+            <p:ph type="sldNum" sz="quarter" idx="11"/>
+          </p:nvPr>
+        </p:nvSpPr>
+        <p:spPr/>
+        <p:txBody>
+          <a:bodyPr/>
+          <a:lstStyle/>
+          <a:p>
+            <a:fld id="{7C839148-7006-41C4-ABC2-D2A9F4595A63}" type="slidenum">
+              <a:rPr lang="en-US" altLang="cs-CZ" smtClean="0"/>
+              <a:pPr/>
+              <a:t>6</a:t>
+            </a:fld>
+            <a:endParaRPr lang="en-US" altLang="cs-CZ" dirty="0"/>
+          </a:p>
+        </p:txBody>
+      </p:sp>
+      <p:pic>
+        <p:nvPicPr>
+          <p:cNvPr id="7" name="Picture 6">
+            <a:extLst>
+              <a:ext uri="{FF2B5EF4-FFF2-40B4-BE49-F238E27FC236}">
+                <a16:creationId xmlns:a16="http://schemas.microsoft.com/office/drawing/2014/main" id="{BF1437C5-8EEE-1881-6B50-29BC2B4F080C}"/>
+              </a:ext>
+            </a:extLst>
+          </p:cNvPr>
+          <p:cNvPicPr>
+            <a:picLocks noChangeAspect="1"/>
+          </p:cNvPicPr>
+          <p:nvPr/>
+        </p:nvPicPr>
+        <p:blipFill>
+          <a:blip r:embed="rId2"/>
+          <a:stretch>
+            <a:fillRect/>
+          </a:stretch>
+        </p:blipFill>
+        <p:spPr>
+          <a:xfrm>
+            <a:off x="1631504" y="1414986"/>
+            <a:ext cx="4229690" cy="2419688"/>
+          </a:xfrm>
+          <a:prstGeom prst="rect">
+            <a:avLst/>
+          </a:prstGeom>
+        </p:spPr>
+      </p:pic>
+      <p:pic>
+        <p:nvPicPr>
+          <p:cNvPr id="9" name="Picture 8">
+            <a:extLst>
+              <a:ext uri="{FF2B5EF4-FFF2-40B4-BE49-F238E27FC236}">
+                <a16:creationId xmlns:a16="http://schemas.microsoft.com/office/drawing/2014/main" id="{34592478-C10E-EBCA-FB26-A88737D7A115}"/>
+              </a:ext>
+            </a:extLst>
+          </p:cNvPr>
+          <p:cNvPicPr>
+            <a:picLocks noChangeAspect="1"/>
+          </p:cNvPicPr>
+          <p:nvPr/>
+        </p:nvPicPr>
+        <p:blipFill>
+          <a:blip r:embed="rId3"/>
+          <a:stretch>
+            <a:fillRect/>
+          </a:stretch>
+        </p:blipFill>
+        <p:spPr>
+          <a:xfrm>
+            <a:off x="4512824" y="4263300"/>
+            <a:ext cx="6935168" cy="1467055"/>
+          </a:xfrm>
+          <a:prstGeom prst="rect">
+            <a:avLst/>
+          </a:prstGeom>
+        </p:spPr>
+      </p:pic>
+    </p:spTree>
+    <p:extLst>
+      <p:ext uri="{BB962C8B-B14F-4D97-AF65-F5344CB8AC3E}">
+        <p14:creationId xmlns:p14="http://schemas.microsoft.com/office/powerpoint/2010/main" val="762656095"/>
+      </p:ext>
+    </p:extLst>
+  </p:cSld>
+  <p:clrMapOvr>
+    <a:masterClrMapping/>
+  </p:clrMapOvr>
+</p:sld>
+</file>
+
+<file path=ppt/slides/slide7.xml><?xml version="1.0" encoding="utf-8"?>
+<p:sld xmlns:a="http://schemas.openxmlformats.org/drawingml/2006/main" xmlns:r="http://schemas.openxmlformats.org/officeDocument/2006/relationships" xmlns:p="http://schemas.openxmlformats.org/presentationml/2006/main">
+  <p:cSld>
+    <p:spTree>
+      <p:nvGrpSpPr>
+        <p:cNvPr id="1" name=""/>
+        <p:cNvGrpSpPr/>
+        <p:nvPr/>
+      </p:nvGrpSpPr>
+      <p:grpSpPr>
+        <a:xfrm>
+          <a:off x="0" y="0"/>
+          <a:ext cx="0" cy="0"/>
+          <a:chOff x="0" y="0"/>
+          <a:chExt cx="0" cy="0"/>
+        </a:xfrm>
+      </p:grpSpPr>
+      <p:sp>
+        <p:nvSpPr>
+          <p:cNvPr id="2" name="Title 1">
+            <a:extLst>
+              <a:ext uri="{FF2B5EF4-FFF2-40B4-BE49-F238E27FC236}">
+                <a16:creationId xmlns:a16="http://schemas.microsoft.com/office/drawing/2014/main" id="{61B1ED96-0213-FD6A-9C75-252687EAE1C6}"/>
+              </a:ext>
+            </a:extLst>
+          </p:cNvPr>
+          <p:cNvSpPr>
+            <a:spLocks noGrp="1"/>
+          </p:cNvSpPr>
+          <p:nvPr>
+            <p:ph type="title"/>
+          </p:nvPr>
+        </p:nvSpPr>
+        <p:spPr/>
+        <p:txBody>
+          <a:bodyPr/>
+          <a:lstStyle/>
+          <a:p>
+            <a:r>
+              <a:rPr lang="sk-SK" dirty="0"/>
+              <a:t>Zdroje</a:t>
+            </a:r>
+          </a:p>
+        </p:txBody>
+      </p:sp>
+      <p:sp>
+        <p:nvSpPr>
+          <p:cNvPr id="3" name="Content Placeholder 2">
+            <a:extLst>
+              <a:ext uri="{FF2B5EF4-FFF2-40B4-BE49-F238E27FC236}">
+                <a16:creationId xmlns:a16="http://schemas.microsoft.com/office/drawing/2014/main" id="{CDCF342A-E020-D47A-FBD0-949B3F301D22}"/>
+              </a:ext>
+            </a:extLst>
+          </p:cNvPr>
+          <p:cNvSpPr>
+            <a:spLocks noGrp="1"/>
+          </p:cNvSpPr>
+          <p:nvPr>
+            <p:ph idx="1"/>
+          </p:nvPr>
+        </p:nvSpPr>
+        <p:spPr/>
+        <p:txBody>
+          <a:bodyPr/>
+          <a:lstStyle/>
+          <a:p>
+            <a:r>
+              <a:rPr lang="sk-SK" dirty="0">
+                <a:hlinkClick r:id="rId2"/>
+              </a:rPr>
+              <a:t>2310.01129v1.pdf (arxiv.org)</a:t>
+            </a:r>
+            <a:endParaRPr lang="sk-SK" dirty="0"/>
+          </a:p>
+        </p:txBody>
+      </p:sp>
+      <p:sp>
+        <p:nvSpPr>
+          <p:cNvPr id="4" name="Footer Placeholder 3">
+            <a:extLst>
+              <a:ext uri="{FF2B5EF4-FFF2-40B4-BE49-F238E27FC236}">
+                <a16:creationId xmlns:a16="http://schemas.microsoft.com/office/drawing/2014/main" id="{1417B6F5-23A5-CA07-AEED-01B463FC3C46}"/>
+              </a:ext>
+            </a:extLst>
+          </p:cNvPr>
+          <p:cNvSpPr>
+            <a:spLocks noGrp="1"/>
+          </p:cNvSpPr>
+          <p:nvPr>
+            <p:ph type="ftr" sz="quarter" idx="10"/>
+          </p:nvPr>
+        </p:nvSpPr>
+        <p:spPr/>
+        <p:txBody>
+          <a:bodyPr/>
+          <a:lstStyle/>
+          <a:p>
+            <a:pPr>
+              <a:defRPr/>
+            </a:pPr>
+            <a:r>
+              <a:rPr lang="cs-CZ" dirty="0"/>
+              <a:t>Vehicle ReId</a:t>
+            </a:r>
+          </a:p>
+        </p:txBody>
+      </p:sp>
+      <p:sp>
+        <p:nvSpPr>
+          <p:cNvPr id="5" name="Slide Number Placeholder 4">
+            <a:extLst>
+              <a:ext uri="{FF2B5EF4-FFF2-40B4-BE49-F238E27FC236}">
+                <a16:creationId xmlns:a16="http://schemas.microsoft.com/office/drawing/2014/main" id="{9315F169-269C-17BE-E597-6272296B73EA}"/>
+              </a:ext>
+            </a:extLst>
+          </p:cNvPr>
+          <p:cNvSpPr>
+            <a:spLocks noGrp="1"/>
+          </p:cNvSpPr>
+          <p:nvPr>
+            <p:ph type="sldNum" sz="quarter" idx="11"/>
+          </p:nvPr>
+        </p:nvSpPr>
+        <p:spPr/>
+        <p:txBody>
+          <a:bodyPr/>
+          <a:lstStyle/>
+          <a:p>
+            <a:fld id="{7C839148-7006-41C4-ABC2-D2A9F4595A63}" type="slidenum">
+              <a:rPr lang="en-US" altLang="cs-CZ" smtClean="0"/>
+              <a:pPr/>
+              <a:t>7</a:t>
+            </a:fld>
+            <a:endParaRPr lang="en-US" altLang="cs-CZ" dirty="0"/>
+          </a:p>
+        </p:txBody>
+      </p:sp>
+    </p:spTree>
+    <p:extLst>
+      <p:ext uri="{BB962C8B-B14F-4D97-AF65-F5344CB8AC3E}">
+        <p14:creationId xmlns:p14="http://schemas.microsoft.com/office/powerpoint/2010/main" val="3526368984"/>
+      </p:ext>
+    </p:extLst>
+  </p:cSld>
+  <p:clrMapOvr>
+    <a:masterClrMapping/>
+  </p:clrMapOvr>
+</p:sld>
+</file>
+
+<file path=ppt/slides/slide8.xml><?xml version="1.0" encoding="utf-8"?>
+<p:sld xmlns:a="http://schemas.openxmlformats.org/drawingml/2006/main" xmlns:r="http://schemas.openxmlformats.org/officeDocument/2006/relationships" xmlns:p="http://schemas.openxmlformats.org/presentationml/2006/main">
+  <p:cSld>
+    <p:spTree>
+      <p:nvGrpSpPr>
+        <p:cNvPr id="1" name=""/>
+        <p:cNvGrpSpPr/>
+        <p:nvPr/>
+      </p:nvGrpSpPr>
+      <p:grpSpPr>
+        <a:xfrm>
+          <a:off x="0" y="0"/>
+          <a:ext cx="0" cy="0"/>
+          <a:chOff x="0" y="0"/>
+          <a:chExt cx="0" cy="0"/>
+        </a:xfrm>
+      </p:grpSpPr>
       <p:sp>
         <p:nvSpPr>
           <p:cNvPr id="4" name="Footer Placeholder 3">
@@ -4151,8 +4958,8 @@
               <a:defRPr/>
             </a:pPr>
             <a:r>
-              <a:rPr lang="en-US"/>
-              <a:t>Název práce</a:t>
+              <a:rPr lang="cs-CZ" dirty="0"/>
+              <a:t>Vehicle ReId</a:t>
             </a:r>
           </a:p>
         </p:txBody>
@@ -4181,9 +4988,95 @@
             <a:fld id="{7C839148-7006-41C4-ABC2-D2A9F4595A63}" type="slidenum">
               <a:rPr lang="en-US" altLang="cs-CZ" smtClean="0"/>
               <a:pPr/>
-              <a:t>4</a:t>
+              <a:t>8</a:t>
             </a:fld>
             <a:endParaRPr lang="en-US" altLang="cs-CZ"/>
+          </a:p>
+        </p:txBody>
+      </p:sp>
+      <p:sp>
+        <p:nvSpPr>
+          <p:cNvPr id="6" name="Rectangle 5">
+            <a:extLst>
+              <a:ext uri="{FF2B5EF4-FFF2-40B4-BE49-F238E27FC236}">
+                <a16:creationId xmlns:a16="http://schemas.microsoft.com/office/drawing/2014/main" id="{AEB2FF51-1C68-E66F-315C-15AD57B78862}"/>
+              </a:ext>
+            </a:extLst>
+          </p:cNvPr>
+          <p:cNvSpPr/>
+          <p:nvPr/>
+        </p:nvSpPr>
+        <p:spPr>
+          <a:xfrm>
+            <a:off x="1362176" y="2967335"/>
+            <a:ext cx="9467656" cy="923330"/>
+          </a:xfrm>
+          <a:prstGeom prst="rect">
+            <a:avLst/>
+          </a:prstGeom>
+          <a:noFill/>
+        </p:spPr>
+        <p:txBody>
+          <a:bodyPr wrap="none" lIns="91440" tIns="45720" rIns="91440" bIns="45720">
+            <a:spAutoFit/>
+          </a:bodyPr>
+          <a:lstStyle/>
+          <a:p>
+            <a:pPr algn="ctr">
+              <a:buNone/>
+            </a:pPr>
+            <a:r>
+              <a:rPr lang="sk-SK" sz="5400" b="1" cap="none" spc="0" dirty="0">
+                <a:ln/>
+                <a:pattFill prst="dkUpDiag">
+                  <a:fgClr>
+                    <a:schemeClr val="bg1">
+                      <a:lumMod val="50000"/>
+                    </a:schemeClr>
+                  </a:fgClr>
+                  <a:bgClr>
+                    <a:schemeClr val="tx1">
+                      <a:lumMod val="75000"/>
+                      <a:lumOff val="25000"/>
+                    </a:schemeClr>
+                  </a:bgClr>
+                </a:pattFill>
+                <a:effectLst>
+                  <a:outerShdw blurRad="38100" dist="19050" dir="2700000" algn="tl" rotWithShape="0">
+                    <a:schemeClr val="dk1">
+                      <a:lumMod val="50000"/>
+                      <a:alpha val="40000"/>
+                    </a:schemeClr>
+                  </a:outerShdw>
+                </a:effectLst>
+              </a:rPr>
+              <a:t>Ďakujeme za pozornosť!!!!</a:t>
+            </a:r>
+          </a:p>
+        </p:txBody>
+      </p:sp>
+      <p:sp>
+        <p:nvSpPr>
+          <p:cNvPr id="7" name="Title 6">
+            <a:extLst>
+              <a:ext uri="{FF2B5EF4-FFF2-40B4-BE49-F238E27FC236}">
+                <a16:creationId xmlns:a16="http://schemas.microsoft.com/office/drawing/2014/main" id="{6CCDA398-BC78-7DB3-85D2-4AD949180A01}"/>
+              </a:ext>
+            </a:extLst>
+          </p:cNvPr>
+          <p:cNvSpPr>
+            <a:spLocks noGrp="1"/>
+          </p:cNvSpPr>
+          <p:nvPr>
+            <p:ph type="title"/>
+          </p:nvPr>
+        </p:nvSpPr>
+        <p:spPr/>
+        <p:txBody>
+          <a:bodyPr/>
+          <a:lstStyle/>
+          <a:p>
+            <a:endParaRPr lang="sk-SK"/>
           </a:p>
         </p:txBody>
       </p:sp>

--- a/Prezentace/Identifikace aut podle jejich vzhledu.pptx
+++ b/Prezentace/Identifikace aut podle jejich vzhledu.pptx
@@ -973,7 +973,7 @@
           <a:bodyPr/>
           <a:lstStyle/>
           <a:p>
-            <a:endParaRPr lang="cs-CZ"/>
+            <a:endParaRPr lang="cs-CZ" dirty="0"/>
           </a:p>
         </p:txBody>
       </p:sp>
@@ -1005,6 +1005,977 @@
     <p:extLst>
       <p:ext uri="{BB962C8B-B14F-4D97-AF65-F5344CB8AC3E}">
         <p14:creationId xmlns:p14="http://schemas.microsoft.com/office/powerpoint/2010/main" val="1899756234"/>
+      </p:ext>
+    </p:extLst>
+  </p:cSld>
+  <p:clrMapOvr>
+    <a:masterClrMapping/>
+  </p:clrMapOvr>
+</p:notes>
+</file>
+
+<file path=ppt/notesSlides/notesSlide2.xml><?xml version="1.0" encoding="utf-8"?>
+<p:notes xmlns:a="http://schemas.openxmlformats.org/drawingml/2006/main" xmlns:r="http://schemas.openxmlformats.org/officeDocument/2006/relationships" xmlns:p="http://schemas.openxmlformats.org/presentationml/2006/main">
+  <p:cSld>
+    <p:spTree>
+      <p:nvGrpSpPr>
+        <p:cNvPr id="1" name=""/>
+        <p:cNvGrpSpPr/>
+        <p:nvPr/>
+      </p:nvGrpSpPr>
+      <p:grpSpPr>
+        <a:xfrm>
+          <a:off x="0" y="0"/>
+          <a:ext cx="0" cy="0"/>
+          <a:chOff x="0" y="0"/>
+          <a:chExt cx="0" cy="0"/>
+        </a:xfrm>
+      </p:grpSpPr>
+      <p:sp>
+        <p:nvSpPr>
+          <p:cNvPr id="2" name="Slide Image Placeholder 1"/>
+          <p:cNvSpPr>
+            <a:spLocks noGrp="1" noRot="1" noChangeAspect="1"/>
+          </p:cNvSpPr>
+          <p:nvPr>
+            <p:ph type="sldImg"/>
+          </p:nvPr>
+        </p:nvSpPr>
+        <p:spPr/>
+      </p:sp>
+      <p:sp>
+        <p:nvSpPr>
+          <p:cNvPr id="3" name="Notes Placeholder 2"/>
+          <p:cNvSpPr>
+            <a:spLocks noGrp="1"/>
+          </p:cNvSpPr>
+          <p:nvPr>
+            <p:ph type="body" idx="1"/>
+          </p:nvPr>
+        </p:nvSpPr>
+        <p:spPr/>
+        <p:txBody>
+          <a:bodyPr/>
+          <a:lstStyle/>
+          <a:p>
+            <a:r>
+              <a:rPr lang="cs-CZ" dirty="0"/>
+              <a:t>- Vstupom je query (zoznam obrazkov hladanych aut) a galeria zaznamov zo vsetkych kamier s ktorymi chceme porovnavat</a:t>
+            </a:r>
+          </a:p>
+          <a:p>
+            <a:r>
+              <a:rPr lang="cs-CZ" dirty="0"/>
+              <a:t>- Vystupom je pre kazde auto z query, top 7 zhodnych obrazkov, nasledne sa urci v ktorych pripadoch model spravne vyhodnotil zhodu, teda jedna sa o validaciu v tomto pripade</a:t>
+            </a:r>
+          </a:p>
+        </p:txBody>
+      </p:sp>
+      <p:sp>
+        <p:nvSpPr>
+          <p:cNvPr id="4" name="Slide Number Placeholder 3"/>
+          <p:cNvSpPr>
+            <a:spLocks noGrp="1"/>
+          </p:cNvSpPr>
+          <p:nvPr>
+            <p:ph type="sldNum" sz="quarter" idx="5"/>
+          </p:nvPr>
+        </p:nvSpPr>
+        <p:spPr/>
+        <p:txBody>
+          <a:bodyPr/>
+          <a:lstStyle/>
+          <a:p>
+            <a:fld id="{511FA9D6-BDC7-4110-B055-029A3A5CC98B}" type="slidenum">
+              <a:rPr lang="cs-CZ" altLang="cs-CZ" smtClean="0"/>
+              <a:pPr/>
+              <a:t>3</a:t>
+            </a:fld>
+            <a:endParaRPr lang="cs-CZ" altLang="cs-CZ"/>
+          </a:p>
+        </p:txBody>
+      </p:sp>
+    </p:spTree>
+    <p:extLst>
+      <p:ext uri="{BB962C8B-B14F-4D97-AF65-F5344CB8AC3E}">
+        <p14:creationId xmlns:p14="http://schemas.microsoft.com/office/powerpoint/2010/main" val="1853814525"/>
+      </p:ext>
+    </p:extLst>
+  </p:cSld>
+  <p:clrMapOvr>
+    <a:masterClrMapping/>
+  </p:clrMapOvr>
+</p:notes>
+</file>
+
+<file path=ppt/notesSlides/notesSlide3.xml><?xml version="1.0" encoding="utf-8"?>
+<p:notes xmlns:a="http://schemas.openxmlformats.org/drawingml/2006/main" xmlns:r="http://schemas.openxmlformats.org/officeDocument/2006/relationships" xmlns:p="http://schemas.openxmlformats.org/presentationml/2006/main">
+  <p:cSld>
+    <p:spTree>
+      <p:nvGrpSpPr>
+        <p:cNvPr id="1" name=""/>
+        <p:cNvGrpSpPr/>
+        <p:nvPr/>
+      </p:nvGrpSpPr>
+      <p:grpSpPr>
+        <a:xfrm>
+          <a:off x="0" y="0"/>
+          <a:ext cx="0" cy="0"/>
+          <a:chOff x="0" y="0"/>
+          <a:chExt cx="0" cy="0"/>
+        </a:xfrm>
+      </p:grpSpPr>
+      <p:sp>
+        <p:nvSpPr>
+          <p:cNvPr id="2" name="Slide Image Placeholder 1"/>
+          <p:cNvSpPr>
+            <a:spLocks noGrp="1" noRot="1" noChangeAspect="1"/>
+          </p:cNvSpPr>
+          <p:nvPr>
+            <p:ph type="sldImg"/>
+          </p:nvPr>
+        </p:nvSpPr>
+        <p:spPr/>
+      </p:sp>
+      <p:sp>
+        <p:nvSpPr>
+          <p:cNvPr id="3" name="Notes Placeholder 2"/>
+          <p:cNvSpPr>
+            <a:spLocks noGrp="1"/>
+          </p:cNvSpPr>
+          <p:nvPr>
+            <p:ph type="body" idx="1"/>
+          </p:nvPr>
+        </p:nvSpPr>
+        <p:spPr/>
+        <p:txBody>
+          <a:bodyPr/>
+          <a:lstStyle/>
+          <a:p>
+            <a:r>
+              <a:rPr lang="sk-SK" dirty="0"/>
+              <a:t>- Mame </a:t>
+            </a:r>
+            <a:r>
+              <a:rPr lang="sk-SK" dirty="0" err="1"/>
+              <a:t>obrazok</a:t>
+            </a:r>
+            <a:r>
+              <a:rPr lang="sk-SK" dirty="0"/>
+              <a:t> na vstupe spolu s </a:t>
+            </a:r>
+            <a:r>
+              <a:rPr lang="sk-SK" dirty="0" err="1"/>
+              <a:t>metadatami</a:t>
+            </a:r>
+            <a:r>
+              <a:rPr lang="sk-SK" dirty="0"/>
+              <a:t> (</a:t>
+            </a:r>
+            <a:r>
+              <a:rPr lang="sk-SK" dirty="0" err="1"/>
+              <a:t>ake</a:t>
+            </a:r>
+            <a:r>
+              <a:rPr lang="sk-SK" dirty="0"/>
+              <a:t> je to auto, kedy bolo kde odfotene)</a:t>
+            </a:r>
+          </a:p>
+          <a:p>
+            <a:r>
+              <a:rPr lang="sk-SK" dirty="0"/>
+              <a:t>- </a:t>
+            </a:r>
+            <a:r>
+              <a:rPr lang="sk-SK" dirty="0" err="1"/>
+              <a:t>Siet</a:t>
+            </a:r>
+            <a:r>
+              <a:rPr lang="sk-SK" dirty="0"/>
+              <a:t> sa </a:t>
+            </a:r>
+            <a:r>
+              <a:rPr lang="sk-SK" dirty="0" err="1"/>
+              <a:t>sklada</a:t>
+            </a:r>
+            <a:r>
+              <a:rPr lang="sk-SK" dirty="0"/>
+              <a:t> z dvoch modulov - </a:t>
+            </a:r>
+            <a:r>
+              <a:rPr lang="sk-SK" dirty="0" err="1"/>
+              <a:t>globalneho</a:t>
+            </a:r>
+            <a:r>
+              <a:rPr lang="sk-SK" dirty="0"/>
+              <a:t> a </a:t>
+            </a:r>
+            <a:r>
+              <a:rPr lang="sk-SK" dirty="0" err="1"/>
+              <a:t>attention</a:t>
+            </a:r>
+            <a:endParaRPr lang="sk-SK" dirty="0"/>
+          </a:p>
+          <a:p>
+            <a:r>
+              <a:rPr lang="sk-SK" dirty="0"/>
+              <a:t>	- </a:t>
+            </a:r>
+            <a:r>
+              <a:rPr lang="sk-SK" dirty="0" err="1"/>
+              <a:t>Global</a:t>
+            </a:r>
+            <a:r>
+              <a:rPr lang="sk-SK" dirty="0"/>
+              <a:t>: ResNet50, vyextrahuje </a:t>
+            </a:r>
+            <a:r>
+              <a:rPr lang="sk-SK" dirty="0" err="1"/>
+              <a:t>globalne</a:t>
+            </a:r>
+            <a:r>
+              <a:rPr lang="sk-SK" dirty="0"/>
+              <a:t> </a:t>
+            </a:r>
+            <a:r>
+              <a:rPr lang="sk-SK" dirty="0" err="1"/>
+              <a:t>priznaky</a:t>
+            </a:r>
+            <a:r>
+              <a:rPr lang="sk-SK" dirty="0"/>
+              <a:t>, extrahuje </a:t>
+            </a:r>
+            <a:r>
+              <a:rPr lang="sk-SK" dirty="0" err="1"/>
+              <a:t>priznaky</a:t>
+            </a:r>
+            <a:r>
+              <a:rPr lang="sk-SK" dirty="0"/>
+              <a:t> z </a:t>
+            </a:r>
+            <a:r>
+              <a:rPr lang="sk-SK" dirty="0" err="1"/>
+              <a:t>celeho</a:t>
+            </a:r>
+            <a:r>
+              <a:rPr lang="sk-SK" dirty="0"/>
+              <a:t> </a:t>
+            </a:r>
+            <a:r>
+              <a:rPr lang="sk-SK" dirty="0" err="1"/>
+              <a:t>obrazku</a:t>
+            </a:r>
+            <a:endParaRPr lang="sk-SK" dirty="0"/>
+          </a:p>
+          <a:p>
+            <a:r>
+              <a:rPr lang="sk-SK" dirty="0"/>
+              <a:t>	- </a:t>
+            </a:r>
+            <a:r>
+              <a:rPr lang="sk-SK" dirty="0" err="1"/>
+              <a:t>Attention</a:t>
+            </a:r>
+            <a:r>
+              <a:rPr lang="sk-SK" dirty="0"/>
+              <a:t>: </a:t>
+            </a:r>
+            <a:r>
+              <a:rPr lang="sk-SK" dirty="0" err="1"/>
+              <a:t>BoTNet</a:t>
+            </a:r>
+            <a:r>
+              <a:rPr lang="sk-SK" dirty="0"/>
+              <a:t> </a:t>
+            </a:r>
+            <a:r>
+              <a:rPr lang="sk-SK" dirty="0" err="1"/>
+              <a:t>transformer</a:t>
+            </a:r>
+            <a:r>
+              <a:rPr lang="sk-SK" dirty="0"/>
+              <a:t> </a:t>
+            </a:r>
+            <a:r>
+              <a:rPr lang="sk-SK" dirty="0" err="1"/>
+              <a:t>structure</a:t>
+            </a:r>
+            <a:r>
+              <a:rPr lang="en-US" dirty="0"/>
+              <a:t>, </a:t>
+            </a:r>
+            <a:r>
+              <a:rPr lang="sk-SK" dirty="0"/>
+              <a:t>vyextrahuje </a:t>
+            </a:r>
+            <a:r>
+              <a:rPr lang="sk-SK" dirty="0" err="1"/>
+              <a:t>globalne</a:t>
+            </a:r>
+            <a:r>
+              <a:rPr lang="sk-SK" dirty="0"/>
+              <a:t> </a:t>
+            </a:r>
+            <a:r>
+              <a:rPr lang="sk-SK" dirty="0" err="1"/>
+              <a:t>attention</a:t>
+            </a:r>
+            <a:r>
+              <a:rPr lang="sk-SK" dirty="0"/>
+              <a:t> </a:t>
+            </a:r>
+            <a:r>
+              <a:rPr lang="sk-SK" dirty="0" err="1"/>
+              <a:t>priznaky</a:t>
+            </a:r>
+            <a:r>
+              <a:rPr lang="en-US" dirty="0"/>
+              <a:t>, </a:t>
+            </a:r>
+            <a:r>
+              <a:rPr lang="sk-SK" dirty="0" err="1"/>
+              <a:t>tiez</a:t>
+            </a:r>
+            <a:r>
+              <a:rPr lang="sk-SK" dirty="0"/>
+              <a:t> extrahuje </a:t>
+            </a:r>
+            <a:r>
+              <a:rPr lang="sk-SK" dirty="0" err="1"/>
+              <a:t>priznaky</a:t>
+            </a:r>
+            <a:r>
+              <a:rPr lang="sk-SK" dirty="0"/>
+              <a:t> z </a:t>
+            </a:r>
+            <a:r>
+              <a:rPr lang="sk-SK" dirty="0" err="1"/>
+              <a:t>celeho</a:t>
+            </a:r>
+            <a:r>
+              <a:rPr lang="sk-SK" dirty="0"/>
+              <a:t> </a:t>
+            </a:r>
+            <a:r>
+              <a:rPr lang="sk-SK" dirty="0" err="1"/>
+              <a:t>obrazku</a:t>
+            </a:r>
+            <a:r>
+              <a:rPr lang="sk-SK" dirty="0"/>
+              <a:t> ale potom vyberie iba tie najviac </a:t>
+            </a:r>
+            <a:r>
+              <a:rPr lang="sk-SK" dirty="0" err="1"/>
+              <a:t>diskriminativne</a:t>
+            </a:r>
+            <a:endParaRPr lang="sk-SK" dirty="0"/>
+          </a:p>
+          <a:p>
+            <a:r>
+              <a:rPr lang="sk-SK" dirty="0"/>
+              <a:t>	- </a:t>
+            </a:r>
+            <a:r>
+              <a:rPr lang="sk-SK" dirty="0" err="1"/>
+              <a:t>grouped</a:t>
+            </a:r>
+            <a:r>
+              <a:rPr lang="sk-SK" dirty="0"/>
+              <a:t> </a:t>
+            </a:r>
+            <a:r>
+              <a:rPr lang="sk-SK" dirty="0" err="1"/>
+              <a:t>convolution</a:t>
+            </a:r>
+            <a:r>
+              <a:rPr lang="en-US" dirty="0"/>
+              <a:t> - </a:t>
+            </a:r>
+            <a:r>
+              <a:rPr lang="sk-SK" dirty="0" err="1"/>
+              <a:t>kazda</a:t>
+            </a:r>
+            <a:r>
+              <a:rPr lang="sk-SK" dirty="0"/>
+              <a:t> </a:t>
+            </a:r>
+            <a:r>
+              <a:rPr lang="sk-SK" dirty="0" err="1"/>
+              <a:t>groupa</a:t>
+            </a:r>
+            <a:r>
+              <a:rPr lang="sk-SK" dirty="0"/>
+              <a:t> sa </a:t>
+            </a:r>
+            <a:r>
+              <a:rPr lang="sk-SK" dirty="0" err="1"/>
+              <a:t>trenuje</a:t>
+            </a:r>
+            <a:r>
+              <a:rPr lang="sk-SK" dirty="0"/>
+              <a:t> na svoju feature aj pre </a:t>
+            </a:r>
+            <a:r>
+              <a:rPr lang="sk-SK" dirty="0" err="1"/>
+              <a:t>attention</a:t>
+            </a:r>
+            <a:r>
+              <a:rPr lang="sk-SK" dirty="0"/>
+              <a:t> aj </a:t>
+            </a:r>
+            <a:r>
+              <a:rPr lang="sk-SK" dirty="0" err="1"/>
+              <a:t>global</a:t>
+            </a:r>
+            <a:r>
+              <a:rPr lang="sk-SK" dirty="0"/>
+              <a:t> a </a:t>
+            </a:r>
+            <a:r>
+              <a:rPr lang="sk-SK" dirty="0" err="1"/>
+              <a:t>nasledne</a:t>
+            </a:r>
+            <a:r>
+              <a:rPr lang="sk-SK" dirty="0"/>
+              <a:t> sa spoja extrahovane </a:t>
+            </a:r>
+            <a:r>
+              <a:rPr lang="sk-SK" dirty="0" err="1"/>
+              <a:t>informacie</a:t>
+            </a:r>
+            <a:r>
+              <a:rPr lang="sk-SK" dirty="0"/>
+              <a:t> dokopy do </a:t>
+            </a:r>
+            <a:r>
+              <a:rPr lang="sk-SK" dirty="0" err="1"/>
+              <a:t>vysledneho</a:t>
+            </a:r>
+            <a:r>
+              <a:rPr lang="sk-SK" dirty="0"/>
+              <a:t> </a:t>
+            </a:r>
+            <a:r>
+              <a:rPr lang="sk-SK" dirty="0" err="1"/>
+              <a:t>embeddingu</a:t>
+            </a:r>
+            <a:endParaRPr lang="sk-SK" dirty="0"/>
+          </a:p>
+          <a:p>
+            <a:r>
+              <a:rPr lang="sk-SK" dirty="0"/>
+              <a:t>		- </a:t>
+            </a:r>
+            <a:r>
+              <a:rPr lang="sk-SK" dirty="0" err="1"/>
+              <a:t>zmensi</a:t>
+            </a:r>
+            <a:r>
+              <a:rPr lang="sk-SK" dirty="0"/>
+              <a:t> </a:t>
+            </a:r>
+            <a:r>
+              <a:rPr lang="sk-SK" dirty="0" err="1"/>
+              <a:t>velkost</a:t>
+            </a:r>
+            <a:r>
+              <a:rPr lang="sk-SK" dirty="0"/>
+              <a:t> modelu </a:t>
+            </a:r>
+            <a:r>
+              <a:rPr lang="sk-SK" dirty="0" err="1"/>
+              <a:t>vdaka</a:t>
+            </a:r>
+            <a:r>
+              <a:rPr lang="sk-SK" dirty="0"/>
+              <a:t> </a:t>
+            </a:r>
+            <a:r>
+              <a:rPr lang="sk-SK" dirty="0" err="1"/>
+              <a:t>grouped</a:t>
+            </a:r>
+            <a:r>
+              <a:rPr lang="sk-SK" dirty="0"/>
+              <a:t> </a:t>
+            </a:r>
+            <a:r>
+              <a:rPr lang="sk-SK" dirty="0" err="1"/>
+              <a:t>convolution</a:t>
+            </a:r>
+            <a:r>
+              <a:rPr lang="sk-SK" dirty="0"/>
+              <a:t> - </a:t>
+            </a:r>
+            <a:r>
+              <a:rPr lang="sk-SK" dirty="0" err="1"/>
+              <a:t>tym</a:t>
+            </a:r>
+            <a:r>
+              <a:rPr lang="sk-SK" dirty="0"/>
+              <a:t> ako sa nastavia skupiny tak </a:t>
+            </a:r>
+            <a:r>
+              <a:rPr lang="sk-SK" dirty="0" err="1"/>
+              <a:t>kazda</a:t>
+            </a:r>
+            <a:r>
+              <a:rPr lang="sk-SK" dirty="0"/>
+              <a:t> </a:t>
+            </a:r>
+            <a:r>
+              <a:rPr lang="sk-SK" dirty="0" err="1"/>
+              <a:t>branch</a:t>
+            </a:r>
+            <a:r>
+              <a:rPr lang="sk-SK" dirty="0"/>
+              <a:t> </a:t>
+            </a:r>
+            <a:r>
+              <a:rPr lang="sk-SK" dirty="0" err="1"/>
+              <a:t>moze</a:t>
+            </a:r>
+            <a:r>
+              <a:rPr lang="sk-SK" dirty="0"/>
+              <a:t> </a:t>
+            </a:r>
+            <a:r>
+              <a:rPr lang="sk-SK" dirty="0" err="1"/>
+              <a:t>pracovat</a:t>
+            </a:r>
+            <a:r>
+              <a:rPr lang="sk-SK" dirty="0"/>
+              <a:t> samostatne iba na svojom cieli</a:t>
+            </a:r>
+          </a:p>
+          <a:p>
+            <a:r>
+              <a:rPr lang="sk-SK" dirty="0"/>
+              <a:t>- LBS</a:t>
+            </a:r>
+            <a:r>
+              <a:rPr lang="en-US" dirty="0"/>
+              <a:t>: </a:t>
+            </a:r>
+            <a:r>
+              <a:rPr lang="sk-SK" dirty="0" err="1"/>
+              <a:t>Loss</a:t>
+            </a:r>
+            <a:r>
+              <a:rPr lang="sk-SK" dirty="0"/>
+              <a:t> </a:t>
+            </a:r>
+            <a:r>
+              <a:rPr lang="sk-SK" dirty="0" err="1"/>
+              <a:t>branch</a:t>
+            </a:r>
+            <a:r>
+              <a:rPr lang="sk-SK" dirty="0"/>
+              <a:t> </a:t>
+            </a:r>
+            <a:r>
+              <a:rPr lang="sk-SK" dirty="0" err="1"/>
+              <a:t>split</a:t>
+            </a:r>
+            <a:endParaRPr lang="sk-SK" dirty="0"/>
+          </a:p>
+          <a:p>
+            <a:r>
+              <a:rPr lang="en-US" dirty="0"/>
+              <a:t>	</a:t>
+            </a:r>
+            <a:r>
+              <a:rPr lang="sk-SK" dirty="0"/>
+              <a:t>- </a:t>
+            </a:r>
+            <a:r>
+              <a:rPr lang="sk-SK" dirty="0" err="1"/>
+              <a:t>rozdeli</a:t>
+            </a:r>
+            <a:r>
+              <a:rPr lang="sk-SK" dirty="0"/>
+              <a:t> proces do </a:t>
+            </a:r>
+            <a:r>
+              <a:rPr lang="sk-SK" dirty="0" err="1"/>
+              <a:t>viacerych</a:t>
+            </a:r>
+            <a:r>
+              <a:rPr lang="sk-SK" dirty="0"/>
+              <a:t> vetvi (</a:t>
+            </a:r>
+            <a:r>
+              <a:rPr lang="sk-SK" dirty="0" err="1"/>
+              <a:t>classification</a:t>
+            </a:r>
+            <a:r>
+              <a:rPr lang="sk-SK" dirty="0"/>
+              <a:t>, </a:t>
+            </a:r>
+            <a:r>
+              <a:rPr lang="sk-SK" dirty="0" err="1"/>
+              <a:t>metric</a:t>
+            </a:r>
+            <a:r>
+              <a:rPr lang="sk-SK" dirty="0"/>
+              <a:t> </a:t>
+            </a:r>
+            <a:r>
+              <a:rPr lang="sk-SK" dirty="0" err="1"/>
+              <a:t>branch</a:t>
+            </a:r>
+            <a:r>
+              <a:rPr lang="sk-SK" dirty="0"/>
+              <a:t>)</a:t>
+            </a:r>
+          </a:p>
+          <a:p>
+            <a:r>
+              <a:rPr lang="sk-SK" dirty="0"/>
+              <a:t>	- </a:t>
+            </a:r>
+            <a:r>
+              <a:rPr lang="sk-SK" dirty="0" err="1"/>
+              <a:t>classification</a:t>
+            </a:r>
+            <a:r>
+              <a:rPr lang="sk-SK" dirty="0"/>
+              <a:t> </a:t>
+            </a:r>
+            <a:r>
+              <a:rPr lang="sk-SK" dirty="0" err="1"/>
+              <a:t>branch</a:t>
+            </a:r>
+            <a:r>
+              <a:rPr lang="sk-SK" dirty="0"/>
+              <a:t> - </a:t>
+            </a:r>
+            <a:r>
+              <a:rPr lang="sk-SK" dirty="0" err="1"/>
+              <a:t>vykonava</a:t>
+            </a:r>
+            <a:r>
+              <a:rPr lang="sk-SK" dirty="0"/>
+              <a:t> </a:t>
+            </a:r>
+            <a:r>
+              <a:rPr lang="sk-SK" dirty="0" err="1"/>
+              <a:t>classification</a:t>
+            </a:r>
+            <a:r>
+              <a:rPr lang="sk-SK" dirty="0"/>
+              <a:t> </a:t>
+            </a:r>
+            <a:r>
+              <a:rPr lang="sk-SK" dirty="0" err="1"/>
+              <a:t>task</a:t>
+            </a:r>
+            <a:endParaRPr lang="sk-SK" dirty="0"/>
+          </a:p>
+          <a:p>
+            <a:r>
+              <a:rPr lang="sk-SK" dirty="0"/>
+              <a:t>		- </a:t>
+            </a:r>
+            <a:r>
+              <a:rPr lang="sk-SK" dirty="0" err="1"/>
+              <a:t>loss</a:t>
+            </a:r>
+            <a:r>
+              <a:rPr lang="sk-SK" dirty="0"/>
+              <a:t> funkcia je </a:t>
+            </a:r>
+            <a:r>
+              <a:rPr lang="sk-SK" dirty="0" err="1"/>
+              <a:t>cross</a:t>
+            </a:r>
+            <a:r>
+              <a:rPr lang="sk-SK" dirty="0"/>
+              <a:t> </a:t>
+            </a:r>
+            <a:r>
+              <a:rPr lang="sk-SK" dirty="0" err="1"/>
+              <a:t>entropy</a:t>
+            </a:r>
+            <a:endParaRPr lang="sk-SK" dirty="0"/>
+          </a:p>
+          <a:p>
+            <a:r>
+              <a:rPr lang="sk-SK" dirty="0"/>
+              <a:t>	- </a:t>
+            </a:r>
+            <a:r>
+              <a:rPr lang="sk-SK" dirty="0" err="1"/>
+              <a:t>metric</a:t>
+            </a:r>
+            <a:r>
+              <a:rPr lang="sk-SK" dirty="0"/>
+              <a:t> </a:t>
+            </a:r>
+            <a:r>
+              <a:rPr lang="sk-SK" dirty="0" err="1"/>
+              <a:t>branch</a:t>
+            </a:r>
+            <a:r>
+              <a:rPr lang="en-US" dirty="0"/>
+              <a:t> </a:t>
+            </a:r>
+            <a:r>
+              <a:rPr lang="sk-SK" dirty="0"/>
+              <a:t>- je </a:t>
+            </a:r>
+            <a:r>
+              <a:rPr lang="sk-SK" dirty="0" err="1"/>
+              <a:t>zodpovedna</a:t>
+            </a:r>
+            <a:r>
+              <a:rPr lang="sk-SK" dirty="0"/>
+              <a:t> za zameranie sa na </a:t>
+            </a:r>
+            <a:r>
+              <a:rPr lang="sk-SK" dirty="0" err="1"/>
+              <a:t>specificke</a:t>
+            </a:r>
+            <a:r>
+              <a:rPr lang="sk-SK" dirty="0"/>
+              <a:t> detaily </a:t>
+            </a:r>
+            <a:r>
+              <a:rPr lang="sk-SK" dirty="0" err="1"/>
+              <a:t>podla</a:t>
+            </a:r>
+            <a:r>
+              <a:rPr lang="sk-SK" dirty="0"/>
+              <a:t> </a:t>
+            </a:r>
+            <a:r>
+              <a:rPr lang="sk-SK" dirty="0" err="1"/>
+              <a:t>ktorych</a:t>
+            </a:r>
+            <a:r>
+              <a:rPr lang="sk-SK" dirty="0"/>
+              <a:t> identifikuje auto</a:t>
+            </a:r>
+          </a:p>
+          <a:p>
+            <a:endParaRPr lang="sk-SK" dirty="0"/>
+          </a:p>
+        </p:txBody>
+      </p:sp>
+      <p:sp>
+        <p:nvSpPr>
+          <p:cNvPr id="4" name="Slide Number Placeholder 3"/>
+          <p:cNvSpPr>
+            <a:spLocks noGrp="1"/>
+          </p:cNvSpPr>
+          <p:nvPr>
+            <p:ph type="sldNum" sz="quarter" idx="5"/>
+          </p:nvPr>
+        </p:nvSpPr>
+        <p:spPr/>
+        <p:txBody>
+          <a:bodyPr/>
+          <a:lstStyle/>
+          <a:p>
+            <a:fld id="{511FA9D6-BDC7-4110-B055-029A3A5CC98B}" type="slidenum">
+              <a:rPr lang="cs-CZ" altLang="cs-CZ" smtClean="0"/>
+              <a:pPr/>
+              <a:t>4</a:t>
+            </a:fld>
+            <a:endParaRPr lang="cs-CZ" altLang="cs-CZ"/>
+          </a:p>
+        </p:txBody>
+      </p:sp>
+    </p:spTree>
+    <p:extLst>
+      <p:ext uri="{BB962C8B-B14F-4D97-AF65-F5344CB8AC3E}">
+        <p14:creationId xmlns:p14="http://schemas.microsoft.com/office/powerpoint/2010/main" val="1343186281"/>
+      </p:ext>
+    </p:extLst>
+  </p:cSld>
+  <p:clrMapOvr>
+    <a:masterClrMapping/>
+  </p:clrMapOvr>
+</p:notes>
+</file>
+
+<file path=ppt/notesSlides/notesSlide4.xml><?xml version="1.0" encoding="utf-8"?>
+<p:notes xmlns:a="http://schemas.openxmlformats.org/drawingml/2006/main" xmlns:r="http://schemas.openxmlformats.org/officeDocument/2006/relationships" xmlns:p="http://schemas.openxmlformats.org/presentationml/2006/main">
+  <p:cSld>
+    <p:spTree>
+      <p:nvGrpSpPr>
+        <p:cNvPr id="1" name=""/>
+        <p:cNvGrpSpPr/>
+        <p:nvPr/>
+      </p:nvGrpSpPr>
+      <p:grpSpPr>
+        <a:xfrm>
+          <a:off x="0" y="0"/>
+          <a:ext cx="0" cy="0"/>
+          <a:chOff x="0" y="0"/>
+          <a:chExt cx="0" cy="0"/>
+        </a:xfrm>
+      </p:grpSpPr>
+      <p:sp>
+        <p:nvSpPr>
+          <p:cNvPr id="2" name="Slide Image Placeholder 1"/>
+          <p:cNvSpPr>
+            <a:spLocks noGrp="1" noRot="1" noChangeAspect="1"/>
+          </p:cNvSpPr>
+          <p:nvPr>
+            <p:ph type="sldImg"/>
+          </p:nvPr>
+        </p:nvSpPr>
+        <p:spPr/>
+      </p:sp>
+      <p:sp>
+        <p:nvSpPr>
+          <p:cNvPr id="3" name="Notes Placeholder 2"/>
+          <p:cNvSpPr>
+            <a:spLocks noGrp="1"/>
+          </p:cNvSpPr>
+          <p:nvPr>
+            <p:ph type="body" idx="1"/>
+          </p:nvPr>
+        </p:nvSpPr>
+        <p:spPr/>
+        <p:txBody>
+          <a:bodyPr/>
+          <a:lstStyle/>
+          <a:p>
+            <a:r>
+              <a:rPr lang="sk-SK" dirty="0"/>
+              <a:t>- </a:t>
+            </a:r>
+            <a:r>
+              <a:rPr lang="sk-SK" dirty="0" err="1"/>
+              <a:t>mAP</a:t>
+            </a:r>
+            <a:r>
+              <a:rPr lang="sk-SK" dirty="0"/>
+              <a:t>	- </a:t>
+            </a:r>
+            <a:r>
+              <a:rPr lang="sk-SK" dirty="0" err="1"/>
+              <a:t>presnost</a:t>
+            </a:r>
+            <a:r>
+              <a:rPr lang="sk-SK" dirty="0"/>
+              <a:t> </a:t>
+            </a:r>
+            <a:r>
+              <a:rPr lang="sk-SK" dirty="0" err="1"/>
+              <a:t>systemu</a:t>
+            </a:r>
+            <a:r>
+              <a:rPr lang="sk-SK" dirty="0"/>
+              <a:t> a ci </a:t>
+            </a:r>
+            <a:r>
+              <a:rPr lang="sk-SK" dirty="0" err="1"/>
+              <a:t>system</a:t>
+            </a:r>
+            <a:r>
+              <a:rPr lang="sk-SK" dirty="0"/>
+              <a:t> </a:t>
+            </a:r>
+            <a:r>
+              <a:rPr lang="sk-SK" dirty="0" err="1"/>
+              <a:t>nasiel</a:t>
+            </a:r>
+            <a:r>
+              <a:rPr lang="sk-SK" dirty="0"/>
+              <a:t> </a:t>
+            </a:r>
+            <a:r>
+              <a:rPr lang="sk-SK" dirty="0" err="1"/>
+              <a:t>vsetky</a:t>
+            </a:r>
+            <a:r>
+              <a:rPr lang="sk-SK" dirty="0"/>
+              <a:t> </a:t>
+            </a:r>
+            <a:r>
+              <a:rPr lang="sk-SK" dirty="0" err="1"/>
+              <a:t>vyskyty</a:t>
+            </a:r>
+            <a:r>
+              <a:rPr lang="sk-SK" dirty="0"/>
+              <a:t> v </a:t>
+            </a:r>
+            <a:r>
+              <a:rPr lang="sk-SK" dirty="0" err="1"/>
+              <a:t>galerii</a:t>
+            </a:r>
+            <a:endParaRPr lang="sk-SK" dirty="0"/>
+          </a:p>
+          <a:p>
+            <a:r>
+              <a:rPr lang="sk-SK" dirty="0"/>
+              <a:t>	- CMC1	- </a:t>
+            </a:r>
+            <a:r>
+              <a:rPr lang="sk-SK" dirty="0" err="1"/>
+              <a:t>spravnost</a:t>
+            </a:r>
+            <a:r>
+              <a:rPr lang="sk-SK" dirty="0"/>
+              <a:t> TOP1 </a:t>
+            </a:r>
+            <a:r>
+              <a:rPr lang="sk-SK" dirty="0" err="1"/>
+              <a:t>vysledku</a:t>
+            </a:r>
+            <a:endParaRPr lang="sk-SK" dirty="0"/>
+          </a:p>
+          <a:p>
+            <a:r>
+              <a:rPr lang="sk-SK" dirty="0"/>
+              <a:t>	- CMC5	- </a:t>
+            </a:r>
+            <a:r>
+              <a:rPr lang="sk-SK" dirty="0" err="1"/>
+              <a:t>spravnost</a:t>
+            </a:r>
+            <a:r>
+              <a:rPr lang="sk-SK" dirty="0"/>
+              <a:t> TOP5 </a:t>
+            </a:r>
+            <a:r>
+              <a:rPr lang="sk-SK" dirty="0" err="1"/>
+              <a:t>vysledkov</a:t>
+            </a:r>
+            <a:endParaRPr lang="sk-SK" dirty="0"/>
+          </a:p>
+        </p:txBody>
+      </p:sp>
+      <p:sp>
+        <p:nvSpPr>
+          <p:cNvPr id="4" name="Slide Number Placeholder 3"/>
+          <p:cNvSpPr>
+            <a:spLocks noGrp="1"/>
+          </p:cNvSpPr>
+          <p:nvPr>
+            <p:ph type="sldNum" sz="quarter" idx="5"/>
+          </p:nvPr>
+        </p:nvSpPr>
+        <p:spPr/>
+        <p:txBody>
+          <a:bodyPr/>
+          <a:lstStyle/>
+          <a:p>
+            <a:fld id="{511FA9D6-BDC7-4110-B055-029A3A5CC98B}" type="slidenum">
+              <a:rPr lang="cs-CZ" altLang="cs-CZ" smtClean="0"/>
+              <a:pPr/>
+              <a:t>6</a:t>
+            </a:fld>
+            <a:endParaRPr lang="cs-CZ" altLang="cs-CZ"/>
+          </a:p>
+        </p:txBody>
+      </p:sp>
+    </p:spTree>
+    <p:extLst>
+      <p:ext uri="{BB962C8B-B14F-4D97-AF65-F5344CB8AC3E}">
+        <p14:creationId xmlns:p14="http://schemas.microsoft.com/office/powerpoint/2010/main" val="1643194068"/>
       </p:ext>
     </p:extLst>
   </p:cSld>
@@ -4032,7 +5003,7 @@
           </p:nvPr>
         </p:nvPicPr>
         <p:blipFill>
-          <a:blip r:embed="rId2"/>
+          <a:blip r:embed="rId3"/>
           <a:stretch>
             <a:fillRect/>
           </a:stretch>
@@ -4289,7 +5260,7 @@
           <p:nvPr/>
         </p:nvPicPr>
         <p:blipFill>
-          <a:blip r:embed="rId2"/>
+          <a:blip r:embed="rId3"/>
           <a:stretch>
             <a:fillRect/>
           </a:stretch>
@@ -4708,7 +5679,7 @@
           <p:nvPr/>
         </p:nvPicPr>
         <p:blipFill>
-          <a:blip r:embed="rId2"/>
+          <a:blip r:embed="rId3"/>
           <a:stretch>
             <a:fillRect/>
           </a:stretch>
@@ -4738,7 +5709,7 @@
           <p:nvPr/>
         </p:nvPicPr>
         <p:blipFill>
-          <a:blip r:embed="rId3"/>
+          <a:blip r:embed="rId4"/>
           <a:stretch>
             <a:fillRect/>
           </a:stretch>
